--- a/Understanding the NFL.pptx
+++ b/Understanding the NFL.pptx
@@ -11,6 +11,7 @@
     <p:sldId id="259" r:id="rId5"/>
     <p:sldId id="260" r:id="rId6"/>
     <p:sldId id="261" r:id="rId7"/>
+    <p:sldId id="262" r:id="rId8"/>
   </p:sldIdLst>
   <p:sldSz cx="9144000" cy="6858000" type="screen4x3"/>
   <p:notesSz cx="6858000" cy="9144000"/>
@@ -2583,9 +2584,18 @@
 <p:sldMaster xmlns:a="http://schemas.openxmlformats.org/drawingml/2006/main" xmlns:r="http://schemas.openxmlformats.org/officeDocument/2006/relationships" xmlns:p="http://schemas.openxmlformats.org/presentationml/2006/main">
   <p:cSld>
     <p:bg>
-      <p:bgRef idx="1001">
-        <a:schemeClr val="bg1"/>
-      </p:bgRef>
+      <p:bgPr>
+        <a:blipFill dpi="0" rotWithShape="1">
+          <a:blip r:embed="rId13">
+            <a:alphaModFix amt="43000"/>
+          </a:blip>
+          <a:srcRect/>
+          <a:stretch>
+            <a:fillRect/>
+          </a:stretch>
+        </a:blipFill>
+        <a:effectLst/>
+      </p:bgPr>
     </p:bg>
     <p:spTree>
       <p:nvGrpSpPr>
@@ -3147,16 +3157,28 @@
           <a:lstStyle/>
           <a:p>
             <a:r>
-              <a:rPr lang="en-US" dirty="0" smtClean="0"/>
+              <a:rPr lang="en-US" dirty="0" smtClean="0">
+                <a:solidFill>
+                  <a:schemeClr val="tx1"/>
+                </a:solidFill>
+              </a:rPr>
               <a:t>Patrick McNamara</a:t>
             </a:r>
           </a:p>
           <a:p>
             <a:r>
-              <a:rPr lang="en-US" dirty="0" smtClean="0"/>
+              <a:rPr lang="en-US" dirty="0" smtClean="0">
+                <a:solidFill>
+                  <a:schemeClr val="tx1"/>
+                </a:solidFill>
+              </a:rPr>
               <a:t>June 6, 2013</a:t>
             </a:r>
-            <a:endParaRPr lang="en-US" dirty="0"/>
+            <a:endParaRPr lang="en-US" dirty="0">
+              <a:solidFill>
+                <a:schemeClr val="tx1"/>
+              </a:solidFill>
+            </a:endParaRPr>
           </a:p>
         </p:txBody>
       </p:sp>
@@ -3170,6 +3192,13 @@
   <p:clrMapOvr>
     <a:masterClrMapping/>
   </p:clrMapOvr>
+  <p:timing>
+    <p:tnLst>
+      <p:par>
+        <p:cTn xmlns:p14="http://schemas.microsoft.com/office/powerpoint/2010/main" id="1" dur="indefinite" restart="never" nodeType="tmRoot"/>
+      </p:par>
+    </p:tnLst>
+  </p:timing>
 </p:sld>
 </file>
 
@@ -3236,7 +3265,19 @@
           <a:p>
             <a:r>
               <a:rPr lang="en-US" dirty="0" smtClean="0"/>
-              <a:t>Our understanding of the sport pales in comparison to the NFL or even the NBA</a:t>
+              <a:t>Our understanding of the sport pales in comparison to </a:t>
+            </a:r>
+            <a:r>
+              <a:rPr lang="en-US" smtClean="0"/>
+              <a:t>the </a:t>
+            </a:r>
+            <a:r>
+              <a:rPr lang="en-US" smtClean="0"/>
+              <a:t>MLB </a:t>
+            </a:r>
+            <a:r>
+              <a:rPr lang="en-US" dirty="0" smtClean="0"/>
+              <a:t>or even the NBA</a:t>
             </a:r>
           </a:p>
           <a:p>
@@ -3258,6 +3299,13 @@
   <p:clrMapOvr>
     <a:masterClrMapping/>
   </p:clrMapOvr>
+  <p:timing>
+    <p:tnLst>
+      <p:par>
+        <p:cTn xmlns:p14="http://schemas.microsoft.com/office/powerpoint/2010/main" id="1" dur="indefinite" restart="never" nodeType="tmRoot"/>
+      </p:par>
+    </p:tnLst>
+  </p:timing>
 </p:sld>
 </file>
 
@@ -3318,6 +3366,44 @@
           <a:p>
             <a:r>
               <a:rPr lang="en-US" dirty="0" smtClean="0"/>
+              <a:t>NFL play-by-play data from 2002-2012</a:t>
+            </a:r>
+          </a:p>
+          <a:p>
+            <a:pPr lvl="1"/>
+            <a:r>
+              <a:rPr lang="en-US" dirty="0" smtClean="0"/>
+              <a:t>500k plays, 2900 games, including playoffs</a:t>
+            </a:r>
+          </a:p>
+          <a:p>
+            <a:pPr lvl="1"/>
+            <a:r>
+              <a:rPr lang="en-US" dirty="0" err="1" smtClean="0"/>
+              <a:t>Yardline</a:t>
+            </a:r>
+            <a:r>
+              <a:rPr lang="en-US" dirty="0" smtClean="0"/>
+              <a:t>, play type, game date, etc.</a:t>
+            </a:r>
+          </a:p>
+          <a:p>
+            <a:pPr lvl="1"/>
+            <a:r>
+              <a:rPr lang="en-US" dirty="0" smtClean="0"/>
+              <a:t>Stadium type, time zone</a:t>
+            </a:r>
+          </a:p>
+          <a:p>
+            <a:pPr lvl="1"/>
+            <a:r>
+              <a:rPr lang="en-US" dirty="0" smtClean="0"/>
+              <a:t>Overtime games excluded due to errors</a:t>
+            </a:r>
+          </a:p>
+          <a:p>
+            <a:r>
+              <a:rPr lang="en-US" dirty="0" smtClean="0"/>
               <a:t>Quantitative </a:t>
             </a:r>
             <a:r>
@@ -3330,40 +3416,16 @@
             </a:r>
           </a:p>
           <a:p>
+            <a:pPr lvl="1"/>
+            <a:r>
+              <a:rPr lang="en-US" dirty="0" smtClean="0"/>
+              <a:t>Linear Regression &amp; KNN with validation</a:t>
+            </a:r>
+          </a:p>
+          <a:p>
             <a:r>
               <a:rPr lang="en-US" dirty="0" smtClean="0"/>
               <a:t>In-game perspective vs. pre-game perspective</a:t>
-            </a:r>
-          </a:p>
-          <a:p>
-            <a:r>
-              <a:rPr lang="en-US" dirty="0" smtClean="0"/>
-              <a:t>NFL play-by-play data from 2002-2012</a:t>
-            </a:r>
-          </a:p>
-          <a:p>
-            <a:pPr lvl="1"/>
-            <a:r>
-              <a:rPr lang="en-US" dirty="0" err="1" smtClean="0"/>
-              <a:t>Yardline</a:t>
-            </a:r>
-            <a:r>
-              <a:rPr lang="en-US" dirty="0" smtClean="0"/>
-              <a:t>, play type, game date, etc.</a:t>
-            </a:r>
-          </a:p>
-          <a:p>
-            <a:pPr lvl="1"/>
-            <a:r>
-              <a:rPr lang="en-US" dirty="0" smtClean="0"/>
-              <a:t>Stadium type, time zone</a:t>
-            </a:r>
-          </a:p>
-          <a:p>
-            <a:pPr lvl="1"/>
-            <a:r>
-              <a:rPr lang="en-US" dirty="0" smtClean="0"/>
-              <a:t>Overtime games excluded due to errors</a:t>
             </a:r>
           </a:p>
         </p:txBody>
@@ -3378,6 +3440,13 @@
   <p:clrMapOvr>
     <a:masterClrMapping/>
   </p:clrMapOvr>
+  <p:timing>
+    <p:tnLst>
+      <p:par>
+        <p:cTn xmlns:p14="http://schemas.microsoft.com/office/powerpoint/2010/main" id="1" dur="indefinite" restart="never" nodeType="tmRoot"/>
+      </p:par>
+    </p:tnLst>
+  </p:timing>
 </p:sld>
 </file>
 
@@ -3594,8 +3663,8 @@
         </p:nvSpPr>
         <p:spPr>
           <a:xfrm>
-            <a:off x="457200" y="1600200"/>
-            <a:ext cx="8229600" cy="4525963"/>
+            <a:off x="251136" y="1498096"/>
+            <a:ext cx="8435664" cy="4628068"/>
           </a:xfrm>
           <a:prstGeom prst="rect">
             <a:avLst/>
@@ -3839,6 +3908,13 @@
   <p:clrMapOvr>
     <a:masterClrMapping/>
   </p:clrMapOvr>
+  <p:timing>
+    <p:tnLst>
+      <p:par>
+        <p:cTn xmlns:p14="http://schemas.microsoft.com/office/powerpoint/2010/main" id="1" dur="indefinite" restart="never" nodeType="tmRoot"/>
+      </p:par>
+    </p:tnLst>
+  </p:timing>
 </p:sld>
 </file>
 
@@ -3869,9 +3945,16 @@
             <p:ph type="title"/>
           </p:nvPr>
         </p:nvSpPr>
-        <p:spPr/>
-        <p:txBody>
-          <a:bodyPr/>
+        <p:spPr>
+          <a:xfrm>
+            <a:off x="457200" y="109133"/>
+            <a:ext cx="8229600" cy="803613"/>
+          </a:xfrm>
+        </p:spPr>
+        <p:txBody>
+          <a:bodyPr>
+            <a:normAutofit/>
+          </a:bodyPr>
           <a:lstStyle/>
           <a:p>
             <a:r>
@@ -3905,8 +3988,8 @@
         </p:blipFill>
         <p:spPr>
           <a:xfrm>
-            <a:off x="4886209" y="1209481"/>
-            <a:ext cx="4145340" cy="3256791"/>
+            <a:off x="5417197" y="842399"/>
+            <a:ext cx="3614352" cy="2839620"/>
           </a:xfrm>
         </p:spPr>
       </p:pic>
@@ -4107,7 +4190,15 @@
             </a:pPr>
             <a:r>
               <a:rPr lang="en-US" sz="2800" dirty="0" smtClean="0"/>
-              <a:t>	from 38% after removal</a:t>
+              <a:t>	</a:t>
+            </a:r>
+            <a:r>
+              <a:rPr lang="en-US" sz="2800" smtClean="0"/>
+              <a:t>from 19% </a:t>
+            </a:r>
+            <a:r>
+              <a:rPr lang="en-US" sz="2800" dirty="0" smtClean="0"/>
+              <a:t>after removal</a:t>
             </a:r>
           </a:p>
           <a:p>
@@ -4128,7 +4219,7 @@
           <a:p>
             <a:r>
               <a:rPr lang="en-US" sz="2800" dirty="0" smtClean="0"/>
-              <a:t>Travel provides different effects</a:t>
+              <a:t>Travel has differing effects</a:t>
             </a:r>
           </a:p>
           <a:p>
@@ -4140,6 +4231,36 @@
           </a:p>
         </p:txBody>
       </p:sp>
+      <p:pic>
+        <p:nvPicPr>
+          <p:cNvPr id="7" name="Picture 6" descr="figure_2.png"/>
+          <p:cNvPicPr>
+            <a:picLocks noChangeAspect="1"/>
+          </p:cNvPicPr>
+          <p:nvPr/>
+        </p:nvPicPr>
+        <p:blipFill>
+          <a:blip r:embed="rId3">
+            <a:extLst>
+              <a:ext uri="{28A0092B-C50C-407E-A947-70E740481C1C}">
+                <a14:useLocalDpi xmlns:a14="http://schemas.microsoft.com/office/drawing/2010/main" val="0"/>
+              </a:ext>
+            </a:extLst>
+          </a:blip>
+          <a:stretch>
+            <a:fillRect/>
+          </a:stretch>
+        </p:blipFill>
+        <p:spPr>
+          <a:xfrm>
+            <a:off x="5417198" y="3781230"/>
+            <a:ext cx="3614352" cy="2806417"/>
+          </a:xfrm>
+          <a:prstGeom prst="rect">
+            <a:avLst/>
+          </a:prstGeom>
+        </p:spPr>
+      </p:pic>
     </p:spTree>
     <p:extLst>
       <p:ext uri="{BB962C8B-B14F-4D97-AF65-F5344CB8AC3E}">
@@ -4150,6 +4271,13 @@
   <p:clrMapOvr>
     <a:masterClrMapping/>
   </p:clrMapOvr>
+  <p:timing>
+    <p:tnLst>
+      <p:par>
+        <p:cTn xmlns:p14="http://schemas.microsoft.com/office/powerpoint/2010/main" id="1" dur="indefinite" restart="never" nodeType="tmRoot"/>
+      </p:par>
+    </p:tnLst>
+  </p:timing>
 </p:sld>
 </file>
 
@@ -4223,7 +4351,7 @@
             <a:pPr lvl="1"/>
             <a:r>
               <a:rPr lang="en-US" dirty="0" smtClean="0"/>
-              <a:t>75% isn’t all that accurate when you think about it</a:t>
+              <a:t>75% isn’t that accurate when you think about it</a:t>
             </a:r>
           </a:p>
           <a:p>
@@ -4259,6 +4387,80 @@
   <p:clrMapOvr>
     <a:masterClrMapping/>
   </p:clrMapOvr>
+  <p:timing>
+    <p:tnLst>
+      <p:par>
+        <p:cTn xmlns:p14="http://schemas.microsoft.com/office/powerpoint/2010/main" id="1" dur="indefinite" restart="never" nodeType="tmRoot"/>
+      </p:par>
+    </p:tnLst>
+  </p:timing>
+</p:sld>
+</file>
+
+<file path=ppt/slides/slide7.xml><?xml version="1.0" encoding="utf-8"?>
+<p:sld xmlns:a="http://schemas.openxmlformats.org/drawingml/2006/main" xmlns:r="http://schemas.openxmlformats.org/officeDocument/2006/relationships" xmlns:p="http://schemas.openxmlformats.org/presentationml/2006/main">
+  <p:cSld>
+    <p:spTree>
+      <p:nvGrpSpPr>
+        <p:cNvPr id="1" name=""/>
+        <p:cNvGrpSpPr/>
+        <p:nvPr/>
+      </p:nvGrpSpPr>
+      <p:grpSpPr>
+        <a:xfrm>
+          <a:off x="0" y="0"/>
+          <a:ext cx="0" cy="0"/>
+          <a:chOff x="0" y="0"/>
+          <a:chExt cx="0" cy="0"/>
+        </a:xfrm>
+      </p:grpSpPr>
+      <p:sp>
+        <p:nvSpPr>
+          <p:cNvPr id="2" name="Title 1"/>
+          <p:cNvSpPr>
+            <a:spLocks noGrp="1"/>
+          </p:cNvSpPr>
+          <p:nvPr>
+            <p:ph type="title"/>
+          </p:nvPr>
+        </p:nvSpPr>
+        <p:spPr>
+          <a:xfrm>
+            <a:off x="457200" y="274637"/>
+            <a:ext cx="8229600" cy="3574771"/>
+          </a:xfrm>
+        </p:spPr>
+        <p:txBody>
+          <a:bodyPr>
+            <a:normAutofit/>
+          </a:bodyPr>
+          <a:lstStyle/>
+          <a:p>
+            <a:r>
+              <a:rPr lang="en-US" sz="6000" dirty="0" smtClean="0"/>
+              <a:t>QUESTIONS???</a:t>
+            </a:r>
+            <a:endParaRPr lang="en-US" sz="6000" dirty="0"/>
+          </a:p>
+        </p:txBody>
+      </p:sp>
+    </p:spTree>
+    <p:extLst>
+      <p:ext uri="{BB962C8B-B14F-4D97-AF65-F5344CB8AC3E}">
+        <p14:creationId xmlns:p14="http://schemas.microsoft.com/office/powerpoint/2010/main" val="1101517248"/>
+      </p:ext>
+    </p:extLst>
+  </p:cSld>
+  <p:clrMapOvr>
+    <a:masterClrMapping/>
+  </p:clrMapOvr>
+  <p:timing>
+    <p:tnLst>
+      <p:par>
+        <p:cTn xmlns:p14="http://schemas.microsoft.com/office/powerpoint/2010/main" id="1" dur="indefinite" restart="never" nodeType="tmRoot"/>
+      </p:par>
+    </p:tnLst>
+  </p:timing>
 </p:sld>
 </file>
 

--- a/Understanding the NFL.pptx
+++ b/Understanding the NFL.pptx
@@ -300,7 +300,7 @@
           <a:p>
             <a:fld id="{8D926FD6-C2DE-8B4C-92A8-9F1D76D1A29D}" type="datetimeFigureOut">
               <a:rPr lang="en-US" smtClean="0"/>
-              <a:t>6/6/13</a:t>
+              <a:t>6/9/13</a:t>
             </a:fld>
             <a:endParaRPr lang="en-US"/>
           </a:p>
@@ -470,7 +470,7 @@
           <a:p>
             <a:fld id="{8D926FD6-C2DE-8B4C-92A8-9F1D76D1A29D}" type="datetimeFigureOut">
               <a:rPr lang="en-US" smtClean="0"/>
-              <a:t>6/6/13</a:t>
+              <a:t>6/9/13</a:t>
             </a:fld>
             <a:endParaRPr lang="en-US"/>
           </a:p>
@@ -650,7 +650,7 @@
           <a:p>
             <a:fld id="{8D926FD6-C2DE-8B4C-92A8-9F1D76D1A29D}" type="datetimeFigureOut">
               <a:rPr lang="en-US" smtClean="0"/>
-              <a:t>6/6/13</a:t>
+              <a:t>6/9/13</a:t>
             </a:fld>
             <a:endParaRPr lang="en-US"/>
           </a:p>
@@ -820,7 +820,7 @@
           <a:p>
             <a:fld id="{8D926FD6-C2DE-8B4C-92A8-9F1D76D1A29D}" type="datetimeFigureOut">
               <a:rPr lang="en-US" smtClean="0"/>
-              <a:t>6/6/13</a:t>
+              <a:t>6/9/13</a:t>
             </a:fld>
             <a:endParaRPr lang="en-US"/>
           </a:p>
@@ -1066,7 +1066,7 @@
           <a:p>
             <a:fld id="{8D926FD6-C2DE-8B4C-92A8-9F1D76D1A29D}" type="datetimeFigureOut">
               <a:rPr lang="en-US" smtClean="0"/>
-              <a:t>6/6/13</a:t>
+              <a:t>6/9/13</a:t>
             </a:fld>
             <a:endParaRPr lang="en-US"/>
           </a:p>
@@ -1354,7 +1354,7 @@
           <a:p>
             <a:fld id="{8D926FD6-C2DE-8B4C-92A8-9F1D76D1A29D}" type="datetimeFigureOut">
               <a:rPr lang="en-US" smtClean="0"/>
-              <a:t>6/6/13</a:t>
+              <a:t>6/9/13</a:t>
             </a:fld>
             <a:endParaRPr lang="en-US"/>
           </a:p>
@@ -1776,7 +1776,7 @@
           <a:p>
             <a:fld id="{8D926FD6-C2DE-8B4C-92A8-9F1D76D1A29D}" type="datetimeFigureOut">
               <a:rPr lang="en-US" smtClean="0"/>
-              <a:t>6/6/13</a:t>
+              <a:t>6/9/13</a:t>
             </a:fld>
             <a:endParaRPr lang="en-US"/>
           </a:p>
@@ -1894,7 +1894,7 @@
           <a:p>
             <a:fld id="{8D926FD6-C2DE-8B4C-92A8-9F1D76D1A29D}" type="datetimeFigureOut">
               <a:rPr lang="en-US" smtClean="0"/>
-              <a:t>6/6/13</a:t>
+              <a:t>6/9/13</a:t>
             </a:fld>
             <a:endParaRPr lang="en-US"/>
           </a:p>
@@ -1989,7 +1989,7 @@
           <a:p>
             <a:fld id="{8D926FD6-C2DE-8B4C-92A8-9F1D76D1A29D}" type="datetimeFigureOut">
               <a:rPr lang="en-US" smtClean="0"/>
-              <a:t>6/6/13</a:t>
+              <a:t>6/9/13</a:t>
             </a:fld>
             <a:endParaRPr lang="en-US"/>
           </a:p>
@@ -2266,7 +2266,7 @@
           <a:p>
             <a:fld id="{8D926FD6-C2DE-8B4C-92A8-9F1D76D1A29D}" type="datetimeFigureOut">
               <a:rPr lang="en-US" smtClean="0"/>
-              <a:t>6/6/13</a:t>
+              <a:t>6/9/13</a:t>
             </a:fld>
             <a:endParaRPr lang="en-US"/>
           </a:p>
@@ -2519,7 +2519,7 @@
           <a:p>
             <a:fld id="{8D926FD6-C2DE-8B4C-92A8-9F1D76D1A29D}" type="datetimeFigureOut">
               <a:rPr lang="en-US" smtClean="0"/>
-              <a:t>6/6/13</a:t>
+              <a:t>6/9/13</a:t>
             </a:fld>
             <a:endParaRPr lang="en-US"/>
           </a:p>
@@ -2741,7 +2741,7 @@
           <a:p>
             <a:fld id="{8D926FD6-C2DE-8B4C-92A8-9F1D76D1A29D}" type="datetimeFigureOut">
               <a:rPr lang="en-US" smtClean="0"/>
-              <a:t>6/6/13</a:t>
+              <a:t>6/9/13</a:t>
             </a:fld>
             <a:endParaRPr lang="en-US"/>
           </a:p>
@@ -3265,25 +3265,13 @@
           <a:p>
             <a:r>
               <a:rPr lang="en-US" dirty="0" smtClean="0"/>
-              <a:t>Our understanding of the sport pales in comparison to </a:t>
-            </a:r>
-            <a:r>
-              <a:rPr lang="en-US" smtClean="0"/>
-              <a:t>the </a:t>
-            </a:r>
-            <a:r>
-              <a:rPr lang="en-US" smtClean="0"/>
-              <a:t>MLB </a:t>
-            </a:r>
+              <a:t>Our understanding of the sport pales in comparison to the MLB or even the NBA</a:t>
+            </a:r>
+          </a:p>
+          <a:p>
             <a:r>
               <a:rPr lang="en-US" dirty="0" smtClean="0"/>
-              <a:t>or even the NBA</a:t>
-            </a:r>
-          </a:p>
-          <a:p>
-            <a:r>
-              <a:rPr lang="en-US" dirty="0" smtClean="0"/>
-              <a:t>Can we predict the winner and total points using basic in-game statistics?</a:t>
+              <a:t>Can we predict the winner and total points using basic post-game statistics?</a:t>
             </a:r>
             <a:endParaRPr lang="en-US" dirty="0"/>
           </a:p>
@@ -3361,7 +3349,9 @@
         </p:nvSpPr>
         <p:spPr/>
         <p:txBody>
-          <a:bodyPr/>
+          <a:bodyPr>
+            <a:normAutofit lnSpcReduction="10000"/>
+          </a:bodyPr>
           <a:lstStyle/>
           <a:p>
             <a:r>
@@ -3425,7 +3415,7 @@
           <a:p>
             <a:r>
               <a:rPr lang="en-US" dirty="0" smtClean="0"/>
-              <a:t>In-game perspective vs. pre-game perspective</a:t>
+              <a:t>Post-game perspective vs. pre-game perspective</a:t>
             </a:r>
           </a:p>
         </p:txBody>
@@ -3847,7 +3837,7 @@
             </a:r>
             <a:r>
               <a:rPr lang="en-US" dirty="0" smtClean="0"/>
-              <a:t>74.6%</a:t>
+              <a:t>75.3%</a:t>
             </a:r>
           </a:p>
           <a:p>
@@ -3870,7 +3860,7 @@
       </p:sp>
       <p:pic>
         <p:nvPicPr>
-          <p:cNvPr id="9" name="Picture 8" descr="figure_3.png"/>
+          <p:cNvPr id="9" name="Picture 8"/>
           <p:cNvPicPr>
             <a:picLocks noChangeAspect="1"/>
           </p:cNvPicPr>
@@ -3890,8 +3880,8 @@
         </p:blipFill>
         <p:spPr>
           <a:xfrm>
-            <a:off x="5043707" y="1579928"/>
-            <a:ext cx="4100293" cy="3327330"/>
+            <a:off x="5043707" y="1705983"/>
+            <a:ext cx="4100293" cy="3075219"/>
           </a:xfrm>
           <a:prstGeom prst="rect">
             <a:avLst/>
@@ -3975,7 +3965,7 @@
             <p:ph idx="1"/>
           </p:nvPr>
         </p:nvPicPr>
-        <p:blipFill rotWithShape="1">
+        <p:blipFill>
           <a:blip r:embed="rId2">
             <a:extLst>
               <a:ext uri="{28A0092B-C50C-407E-A947-70E740481C1C}">
@@ -3983,13 +3973,14 @@
               </a:ext>
             </a:extLst>
           </a:blip>
-          <a:srcRect l="4785" t="4829" r="6664" b="2410"/>
-          <a:stretch/>
+          <a:stretch>
+            <a:fillRect/>
+          </a:stretch>
         </p:blipFill>
         <p:spPr>
           <a:xfrm>
-            <a:off x="5417197" y="842399"/>
-            <a:ext cx="3614352" cy="2839620"/>
+            <a:off x="5417197" y="906827"/>
+            <a:ext cx="3614352" cy="2710764"/>
           </a:xfrm>
         </p:spPr>
       </p:pic>
@@ -4190,11 +4181,11 @@
             </a:pPr>
             <a:r>
               <a:rPr lang="en-US" sz="2800" dirty="0" smtClean="0"/>
-              <a:t>	</a:t>
-            </a:r>
-            <a:r>
-              <a:rPr lang="en-US" sz="2800" smtClean="0"/>
-              <a:t>from 19% </a:t>
+              <a:t>	from </a:t>
+            </a:r>
+            <a:r>
+              <a:rPr lang="en-US" sz="2800" dirty="0" smtClean="0"/>
+              <a:t>19.8% </a:t>
             </a:r>
             <a:r>
               <a:rPr lang="en-US" sz="2800" dirty="0" smtClean="0"/>
@@ -4233,7 +4224,7 @@
       </p:sp>
       <p:pic>
         <p:nvPicPr>
-          <p:cNvPr id="7" name="Picture 6" descr="figure_2.png"/>
+          <p:cNvPr id="7" name="Picture 6"/>
           <p:cNvPicPr>
             <a:picLocks noChangeAspect="1"/>
           </p:cNvPicPr>
@@ -4253,8 +4244,8 @@
         </p:blipFill>
         <p:spPr>
           <a:xfrm>
-            <a:off x="5417198" y="3781230"/>
-            <a:ext cx="3614352" cy="2806417"/>
+            <a:off x="5417198" y="3829056"/>
+            <a:ext cx="3614351" cy="2710764"/>
           </a:xfrm>
           <a:prstGeom prst="rect">
             <a:avLst/>
@@ -4351,8 +4342,21 @@
             <a:pPr lvl="1"/>
             <a:r>
               <a:rPr lang="en-US" dirty="0" smtClean="0"/>
-              <a:t>75% isn’t that accurate when you think about it</a:t>
-            </a:r>
+              <a:t>75% isn’t </a:t>
+            </a:r>
+            <a:r>
+              <a:rPr lang="en-US" dirty="0" smtClean="0"/>
+              <a:t>very accurate </a:t>
+            </a:r>
+            <a:r>
+              <a:rPr lang="en-US" dirty="0" smtClean="0"/>
+              <a:t>when you think about </a:t>
+            </a:r>
+            <a:r>
+              <a:rPr lang="en-US" dirty="0" smtClean="0"/>
+              <a:t>the data we have available</a:t>
+            </a:r>
+            <a:endParaRPr lang="en-US" dirty="0" smtClean="0"/>
           </a:p>
           <a:p>
             <a:pPr lvl="1"/>
